--- a/data/output/pptx/story_1_Kids_are__.pptx
+++ b/data/output/pptx/story_1_Kids_are__.pptx
@@ -3106,6 +3106,7 @@
           <a:lstStyle/>
           <a:p>
             <a:r>
+              <a:rPr sz="1200"/>
               <a:t>Story 1 Kids Are  </a:t>
             </a:r>
           </a:p>
@@ -3127,13 +3128,15 @@
           <a:lstStyle/>
           <a:p>
             <a:r>
-              <a:t>**Title: Rohan, Aisha, and the Joy of Sharing Holi**</a:t>
+              <a:rPr sz="1200"/>
+              <a:t>**Title: The Colors of Kindness**</a:t>
             </a:r>
           </a:p>
           <a:p/>
           <a:p>
             <a:r>
-              <a:t>In a vibrant village, the air buzzed with exci</a:t>
+              <a:rPr sz="1200"/>
+              <a:t>In a vibrant village, the air buzzed with excitement as children </a:t>
             </a:r>
           </a:p>
         </p:txBody>
@@ -3190,7 +3193,8 @@
           <a:p>
             <a:pPr algn="l"/>
             <a:r>
-              <a:t>**Title: Rohan, Aisha, and the Joy of Sharing Holi** In a vibrant village, the air buzzed with excitement as Holi approached. Rohan and Aisha were eager to celebrate, preparing colorful powders and sweet treats. Their laughter echoed as they anticipated the festival of colors. As they played, they noticed some children watching from a distance, dressed in worn clothes. Rohan and Aisha exchanged glances, their joy momentarily dimmed by the sight. Determined to share their happiness, they invited the children to join. With open hearts, they offered colors and sweets, transforming the onlookers into participants. The group played together, their laughter mingling in the air. Suddenly, a gentle voice praised their kindness. It was Lord Rama, appearing with a warm smile. He commended Rohan and Aisha for understanding that true joy comes from sharing. The children celebrated together, their bond strengthened by kindness. As the day ended, they learned that sharing happiness brings the greatest joy. **Moral:** Kindness and sharing bring true happiness, as taught by Lord Rama.</a:t>
+              <a:rPr sz="1200"/>
+              <a:t>**Title: The Colors of Kindness** In a vibrant village, the air buzzed with excitement as children prepared for Holi. Three friends, Rohan, Aisha, and Karan, eagerly gathered their colors and sweets. As they played, they noticed some poor children watching from a distance, their eyes wide with longing. Rohan whispered, "Look, they want to join but can't." Aisha nodded, and Karan suggested, "Let's share our colors and sweets!" They approached the poor children, offering them the festive treats. Just then, a gentle voice spoke, "Your hearts are as colorful as the Holi hues." It was Lord Rama, appearing with a warm smile. "Kindness is the greatest virtue," he said. "Remember, sharing brings joy to all." The children beamed, learning that true happiness comes from kindness. From that day on, they celebrated Holi with everyone, spreading joy and colors to all. **Moral:** Kindness and sharing bring the greatest joy, as taught by Lord Rama.</a:t>
             </a:r>
           </a:p>
         </p:txBody>
